--- a/Week2_packages and dataframes/LeaRning_Week2_lesson.pptx
+++ b/Week2_packages and dataframes/LeaRning_Week2_lesson.pptx
@@ -5,36 +5,35 @@
     <p:sldMasterId id="2147483648" r:id="rId4"/>
   </p:sldMasterIdLst>
   <p:notesMasterIdLst>
-    <p:notesMasterId r:id="rId32"/>
+    <p:notesMasterId r:id="rId31"/>
   </p:notesMasterIdLst>
   <p:sldIdLst>
     <p:sldId id="263" r:id="rId5"/>
-    <p:sldId id="264" r:id="rId6"/>
-    <p:sldId id="274" r:id="rId7"/>
-    <p:sldId id="275" r:id="rId8"/>
-    <p:sldId id="291" r:id="rId9"/>
-    <p:sldId id="276" r:id="rId10"/>
-    <p:sldId id="282" r:id="rId11"/>
-    <p:sldId id="257" r:id="rId12"/>
-    <p:sldId id="258" r:id="rId13"/>
-    <p:sldId id="260" r:id="rId14"/>
-    <p:sldId id="261" r:id="rId15"/>
-    <p:sldId id="283" r:id="rId16"/>
-    <p:sldId id="284" r:id="rId17"/>
-    <p:sldId id="285" r:id="rId18"/>
-    <p:sldId id="266" r:id="rId19"/>
-    <p:sldId id="269" r:id="rId20"/>
-    <p:sldId id="286" r:id="rId21"/>
-    <p:sldId id="268" r:id="rId22"/>
-    <p:sldId id="298" r:id="rId23"/>
-    <p:sldId id="277" r:id="rId24"/>
-    <p:sldId id="295" r:id="rId25"/>
-    <p:sldId id="296" r:id="rId26"/>
-    <p:sldId id="299" r:id="rId27"/>
-    <p:sldId id="281" r:id="rId28"/>
-    <p:sldId id="297" r:id="rId29"/>
-    <p:sldId id="292" r:id="rId30"/>
-    <p:sldId id="293" r:id="rId31"/>
+    <p:sldId id="274" r:id="rId6"/>
+    <p:sldId id="275" r:id="rId7"/>
+    <p:sldId id="291" r:id="rId8"/>
+    <p:sldId id="276" r:id="rId9"/>
+    <p:sldId id="282" r:id="rId10"/>
+    <p:sldId id="257" r:id="rId11"/>
+    <p:sldId id="258" r:id="rId12"/>
+    <p:sldId id="260" r:id="rId13"/>
+    <p:sldId id="261" r:id="rId14"/>
+    <p:sldId id="283" r:id="rId15"/>
+    <p:sldId id="284" r:id="rId16"/>
+    <p:sldId id="285" r:id="rId17"/>
+    <p:sldId id="266" r:id="rId18"/>
+    <p:sldId id="269" r:id="rId19"/>
+    <p:sldId id="286" r:id="rId20"/>
+    <p:sldId id="268" r:id="rId21"/>
+    <p:sldId id="298" r:id="rId22"/>
+    <p:sldId id="277" r:id="rId23"/>
+    <p:sldId id="295" r:id="rId24"/>
+    <p:sldId id="296" r:id="rId25"/>
+    <p:sldId id="299" r:id="rId26"/>
+    <p:sldId id="281" r:id="rId27"/>
+    <p:sldId id="297" r:id="rId28"/>
+    <p:sldId id="292" r:id="rId29"/>
+    <p:sldId id="293" r:id="rId30"/>
   </p:sldIdLst>
   <p:sldSz cx="12192000" cy="6858000"/>
   <p:notesSz cx="6858000" cy="9144000"/>
@@ -869,7 +868,7 @@
           <a:p>
             <a:fld id="{542CF608-8672-4142-996B-464738BA8EF1}" type="datetimeFigureOut">
               <a:rPr lang="en-US" smtClean="0"/>
-              <a:t>5/27/2021</a:t>
+              <a:t>2/25/24</a:t>
             </a:fld>
             <a:endParaRPr lang="en-US"/>
           </a:p>
@@ -1285,7 +1284,7 @@
           <a:p>
             <a:fld id="{EA26623F-8072-4E9D-95CC-945BE5EED52A}" type="slidenum">
               <a:rPr lang="en-GB" smtClean="0"/>
-              <a:t>4</a:t>
+              <a:t>3</a:t>
             </a:fld>
             <a:endParaRPr lang="en-GB"/>
           </a:p>
@@ -1369,7 +1368,7 @@
           <a:p>
             <a:fld id="{EA26623F-8072-4E9D-95CC-945BE5EED52A}" type="slidenum">
               <a:rPr lang="en-GB" smtClean="0"/>
-              <a:t>6</a:t>
+              <a:t>5</a:t>
             </a:fld>
             <a:endParaRPr lang="en-GB"/>
           </a:p>
@@ -1453,7 +1452,7 @@
           <a:p>
             <a:fld id="{EA26623F-8072-4E9D-95CC-945BE5EED52A}" type="slidenum">
               <a:rPr lang="en-GB" smtClean="0"/>
-              <a:t>20</a:t>
+              <a:t>19</a:t>
             </a:fld>
             <a:endParaRPr lang="en-GB"/>
           </a:p>
@@ -1537,7 +1536,7 @@
           <a:p>
             <a:fld id="{EA26623F-8072-4E9D-95CC-945BE5EED52A}" type="slidenum">
               <a:rPr lang="en-GB" smtClean="0"/>
-              <a:t>24</a:t>
+              <a:t>23</a:t>
             </a:fld>
             <a:endParaRPr lang="en-GB"/>
           </a:p>
@@ -1703,7 +1702,7 @@
           <a:p>
             <a:fld id="{7F362165-4139-5E4A-8A6A-B3990EA2D4F2}" type="datetimeFigureOut">
               <a:rPr lang="en-US" smtClean="0"/>
-              <a:t>5/27/2021</a:t>
+              <a:t>2/25/24</a:t>
             </a:fld>
             <a:endParaRPr lang="en-US"/>
           </a:p>
@@ -1901,7 +1900,7 @@
           <a:p>
             <a:fld id="{7F362165-4139-5E4A-8A6A-B3990EA2D4F2}" type="datetimeFigureOut">
               <a:rPr lang="en-US" smtClean="0"/>
-              <a:t>5/27/2021</a:t>
+              <a:t>2/25/24</a:t>
             </a:fld>
             <a:endParaRPr lang="en-US"/>
           </a:p>
@@ -2109,7 +2108,7 @@
           <a:p>
             <a:fld id="{7F362165-4139-5E4A-8A6A-B3990EA2D4F2}" type="datetimeFigureOut">
               <a:rPr lang="en-US" smtClean="0"/>
-              <a:t>5/27/2021</a:t>
+              <a:t>2/25/24</a:t>
             </a:fld>
             <a:endParaRPr lang="en-US"/>
           </a:p>
@@ -2307,7 +2306,7 @@
           <a:p>
             <a:fld id="{7F362165-4139-5E4A-8A6A-B3990EA2D4F2}" type="datetimeFigureOut">
               <a:rPr lang="en-US" smtClean="0"/>
-              <a:t>5/27/2021</a:t>
+              <a:t>2/25/24</a:t>
             </a:fld>
             <a:endParaRPr lang="en-US"/>
           </a:p>
@@ -2582,7 +2581,7 @@
           <a:p>
             <a:fld id="{7F362165-4139-5E4A-8A6A-B3990EA2D4F2}" type="datetimeFigureOut">
               <a:rPr lang="en-US" smtClean="0"/>
-              <a:t>5/27/2021</a:t>
+              <a:t>2/25/24</a:t>
             </a:fld>
             <a:endParaRPr lang="en-US"/>
           </a:p>
@@ -2847,7 +2846,7 @@
           <a:p>
             <a:fld id="{7F362165-4139-5E4A-8A6A-B3990EA2D4F2}" type="datetimeFigureOut">
               <a:rPr lang="en-US" smtClean="0"/>
-              <a:t>5/27/2021</a:t>
+              <a:t>2/25/24</a:t>
             </a:fld>
             <a:endParaRPr lang="en-US"/>
           </a:p>
@@ -3259,7 +3258,7 @@
           <a:p>
             <a:fld id="{7F362165-4139-5E4A-8A6A-B3990EA2D4F2}" type="datetimeFigureOut">
               <a:rPr lang="en-US" smtClean="0"/>
-              <a:t>5/27/2021</a:t>
+              <a:t>2/25/24</a:t>
             </a:fld>
             <a:endParaRPr lang="en-US"/>
           </a:p>
@@ -3400,7 +3399,7 @@
           <a:p>
             <a:fld id="{7F362165-4139-5E4A-8A6A-B3990EA2D4F2}" type="datetimeFigureOut">
               <a:rPr lang="en-US" smtClean="0"/>
-              <a:t>5/27/2021</a:t>
+              <a:t>2/25/24</a:t>
             </a:fld>
             <a:endParaRPr lang="en-US"/>
           </a:p>
@@ -3513,7 +3512,7 @@
           <a:p>
             <a:fld id="{7F362165-4139-5E4A-8A6A-B3990EA2D4F2}" type="datetimeFigureOut">
               <a:rPr lang="en-US" smtClean="0"/>
-              <a:t>5/27/2021</a:t>
+              <a:t>2/25/24</a:t>
             </a:fld>
             <a:endParaRPr lang="en-US"/>
           </a:p>
@@ -3824,7 +3823,7 @@
           <a:p>
             <a:fld id="{7F362165-4139-5E4A-8A6A-B3990EA2D4F2}" type="datetimeFigureOut">
               <a:rPr lang="en-US" smtClean="0"/>
-              <a:t>5/27/2021</a:t>
+              <a:t>2/25/24</a:t>
             </a:fld>
             <a:endParaRPr lang="en-US"/>
           </a:p>
@@ -4112,7 +4111,7 @@
           <a:p>
             <a:fld id="{7F362165-4139-5E4A-8A6A-B3990EA2D4F2}" type="datetimeFigureOut">
               <a:rPr lang="en-US" smtClean="0"/>
-              <a:t>5/27/2021</a:t>
+              <a:t>2/25/24</a:t>
             </a:fld>
             <a:endParaRPr lang="en-US"/>
           </a:p>
@@ -4353,7 +4352,7 @@
           <a:p>
             <a:fld id="{7F362165-4139-5E4A-8A6A-B3990EA2D4F2}" type="datetimeFigureOut">
               <a:rPr lang="en-US" smtClean="0"/>
-              <a:t>5/27/2021</a:t>
+              <a:t>2/25/24</a:t>
             </a:fld>
             <a:endParaRPr lang="en-US"/>
           </a:p>
@@ -4927,130 +4926,6 @@
           <p:cNvPr id="2" name="Title 1">
             <a:extLst>
               <a:ext uri="{FF2B5EF4-FFF2-40B4-BE49-F238E27FC236}">
-                <a16:creationId xmlns:a16="http://schemas.microsoft.com/office/drawing/2014/main" id="{1B457927-B726-2944-A6C1-6F0B56C3210F}"/>
-              </a:ext>
-            </a:extLst>
-          </p:cNvPr>
-          <p:cNvSpPr>
-            <a:spLocks noGrp="1"/>
-          </p:cNvSpPr>
-          <p:nvPr>
-            <p:ph type="title"/>
-          </p:nvPr>
-        </p:nvSpPr>
-        <p:spPr/>
-        <p:txBody>
-          <a:bodyPr/>
-          <a:lstStyle/>
-          <a:p>
-            <a:r>
-              <a:rPr lang="en-US" dirty="0"/>
-              <a:t>Collecting and saving your data</a:t>
-            </a:r>
-          </a:p>
-        </p:txBody>
-      </p:sp>
-      <p:sp>
-        <p:nvSpPr>
-          <p:cNvPr id="3" name="Content Placeholder 2">
-            <a:extLst>
-              <a:ext uri="{FF2B5EF4-FFF2-40B4-BE49-F238E27FC236}">
-                <a16:creationId xmlns:a16="http://schemas.microsoft.com/office/drawing/2014/main" id="{ACEF7C08-2EE9-1445-A2BB-0E8307865D0C}"/>
-              </a:ext>
-            </a:extLst>
-          </p:cNvPr>
-          <p:cNvSpPr>
-            <a:spLocks noGrp="1"/>
-          </p:cNvSpPr>
-          <p:nvPr>
-            <p:ph idx="1"/>
-          </p:nvPr>
-        </p:nvSpPr>
-        <p:spPr>
-          <a:xfrm>
-            <a:off x="838200" y="1825625"/>
-            <a:ext cx="10515600" cy="580691"/>
-          </a:xfrm>
-        </p:spPr>
-        <p:txBody>
-          <a:bodyPr/>
-          <a:lstStyle/>
-          <a:p>
-            <a:r>
-              <a:rPr lang="en-US" dirty="0"/>
-              <a:t>Most of us use excel to collect our data.  What might this look like?</a:t>
-            </a:r>
-          </a:p>
-        </p:txBody>
-      </p:sp>
-      <p:pic>
-        <p:nvPicPr>
-          <p:cNvPr id="4" name="Picture 3">
-            <a:extLst>
-              <a:ext uri="{FF2B5EF4-FFF2-40B4-BE49-F238E27FC236}">
-                <a16:creationId xmlns:a16="http://schemas.microsoft.com/office/drawing/2014/main" id="{BF79D759-6C5C-DB40-8EAC-F908C9F2F2D4}"/>
-              </a:ext>
-            </a:extLst>
-          </p:cNvPr>
-          <p:cNvPicPr>
-            <a:picLocks noChangeAspect="1"/>
-          </p:cNvPicPr>
-          <p:nvPr/>
-        </p:nvPicPr>
-        <p:blipFill>
-          <a:blip r:embed="rId2"/>
-          <a:stretch>
-            <a:fillRect/>
-          </a:stretch>
-        </p:blipFill>
-        <p:spPr>
-          <a:xfrm>
-            <a:off x="1996687" y="2541253"/>
-            <a:ext cx="8198625" cy="3581615"/>
-          </a:xfrm>
-          <a:prstGeom prst="rect">
-            <a:avLst/>
-          </a:prstGeom>
-          <a:solidFill>
-            <a:schemeClr val="bg1"/>
-          </a:solidFill>
-        </p:spPr>
-      </p:pic>
-    </p:spTree>
-    <p:extLst>
-      <p:ext uri="{BB962C8B-B14F-4D97-AF65-F5344CB8AC3E}">
-        <p14:creationId xmlns:p14="http://schemas.microsoft.com/office/powerpoint/2010/main" val="500972399"/>
-      </p:ext>
-    </p:extLst>
-  </p:cSld>
-  <p:clrMapOvr>
-    <a:masterClrMapping/>
-  </p:clrMapOvr>
-</p:sld>
-</file>
-
-<file path=ppt/slides/slide11.xml><?xml version="1.0" encoding="utf-8"?>
-<p:sld xmlns:a="http://schemas.openxmlformats.org/drawingml/2006/main" xmlns:r="http://schemas.openxmlformats.org/officeDocument/2006/relationships" xmlns:p="http://schemas.openxmlformats.org/presentationml/2006/main">
-  <p:cSld>
-    <p:spTree>
-      <p:nvGrpSpPr>
-        <p:cNvPr id="1" name=""/>
-        <p:cNvGrpSpPr/>
-        <p:nvPr/>
-      </p:nvGrpSpPr>
-      <p:grpSpPr>
-        <a:xfrm>
-          <a:off x="0" y="0"/>
-          <a:ext cx="0" cy="0"/>
-          <a:chOff x="0" y="0"/>
-          <a:chExt cx="0" cy="0"/>
-        </a:xfrm>
-      </p:grpSpPr>
-      <p:sp>
-        <p:nvSpPr>
-          <p:cNvPr id="2" name="Title 1">
-            <a:extLst>
-              <a:ext uri="{FF2B5EF4-FFF2-40B4-BE49-F238E27FC236}">
                 <a16:creationId xmlns:a16="http://schemas.microsoft.com/office/drawing/2014/main" id="{CA04EC4F-0033-A34D-AF47-FFB8E811B4DB}"/>
               </a:ext>
             </a:extLst>
@@ -5120,7 +4995,7 @@
 </p:sld>
 </file>
 
-<file path=ppt/slides/slide12.xml><?xml version="1.0" encoding="utf-8"?>
+<file path=ppt/slides/slide11.xml><?xml version="1.0" encoding="utf-8"?>
 <p:sld xmlns:a="http://schemas.openxmlformats.org/drawingml/2006/main" xmlns:r="http://schemas.openxmlformats.org/officeDocument/2006/relationships" xmlns:p="http://schemas.openxmlformats.org/presentationml/2006/main">
   <p:cSld>
     <p:spTree>
@@ -5219,6 +5094,108 @@
 </p:sld>
 </file>
 
+<file path=ppt/slides/slide12.xml><?xml version="1.0" encoding="utf-8"?>
+<p:sld xmlns:a="http://schemas.openxmlformats.org/drawingml/2006/main" xmlns:r="http://schemas.openxmlformats.org/officeDocument/2006/relationships" xmlns:p="http://schemas.openxmlformats.org/presentationml/2006/main">
+  <p:cSld>
+    <p:spTree>
+      <p:nvGrpSpPr>
+        <p:cNvPr id="1" name=""/>
+        <p:cNvGrpSpPr/>
+        <p:nvPr/>
+      </p:nvGrpSpPr>
+      <p:grpSpPr>
+        <a:xfrm>
+          <a:off x="0" y="0"/>
+          <a:ext cx="0" cy="0"/>
+          <a:chOff x="0" y="0"/>
+          <a:chExt cx="0" cy="0"/>
+        </a:xfrm>
+      </p:grpSpPr>
+      <p:sp>
+        <p:nvSpPr>
+          <p:cNvPr id="2" name="Title 1">
+            <a:extLst>
+              <a:ext uri="{FF2B5EF4-FFF2-40B4-BE49-F238E27FC236}">
+                <a16:creationId xmlns:a16="http://schemas.microsoft.com/office/drawing/2014/main" id="{7F6A7442-F76E-7849-A594-1E7EED62C37A}"/>
+              </a:ext>
+            </a:extLst>
+          </p:cNvPr>
+          <p:cNvSpPr>
+            <a:spLocks noGrp="1"/>
+          </p:cNvSpPr>
+          <p:nvPr>
+            <p:ph type="title"/>
+          </p:nvPr>
+        </p:nvSpPr>
+        <p:spPr/>
+        <p:txBody>
+          <a:bodyPr/>
+          <a:lstStyle/>
+          <a:p>
+            <a:r>
+              <a:rPr lang="en-US" dirty="0"/>
+              <a:t>Collecting your data</a:t>
+            </a:r>
+          </a:p>
+        </p:txBody>
+      </p:sp>
+      <p:sp>
+        <p:nvSpPr>
+          <p:cNvPr id="3" name="Content Placeholder 2">
+            <a:extLst>
+              <a:ext uri="{FF2B5EF4-FFF2-40B4-BE49-F238E27FC236}">
+                <a16:creationId xmlns:a16="http://schemas.microsoft.com/office/drawing/2014/main" id="{E93E7CAE-06E7-794E-B74D-2B7EEA4F31A3}"/>
+              </a:ext>
+            </a:extLst>
+          </p:cNvPr>
+          <p:cNvSpPr>
+            <a:spLocks noGrp="1"/>
+          </p:cNvSpPr>
+          <p:nvPr>
+            <p:ph idx="1"/>
+          </p:nvPr>
+        </p:nvSpPr>
+        <p:spPr/>
+        <p:txBody>
+          <a:bodyPr/>
+          <a:lstStyle/>
+          <a:p>
+            <a:r>
+              <a:rPr lang="en-US" dirty="0"/>
+              <a:t>In drawing on our knowledge of data sets that we typically load into R, each data file contains a discrete data frame of observations and values.  Free text, gaps, </a:t>
+            </a:r>
+            <a:r>
+              <a:rPr lang="en-US" dirty="0" err="1"/>
+              <a:t>colour</a:t>
+            </a:r>
+            <a:r>
+              <a:rPr lang="en-US" dirty="0"/>
+              <a:t> codes, or formulas </a:t>
+            </a:r>
+            <a:r>
+              <a:rPr lang="en-US" b="1" dirty="0"/>
+              <a:t>all create problems.</a:t>
+            </a:r>
+            <a:r>
+              <a:rPr lang="en-US" dirty="0"/>
+              <a:t> </a:t>
+            </a:r>
+          </a:p>
+        </p:txBody>
+      </p:sp>
+    </p:spTree>
+    <p:extLst>
+      <p:ext uri="{BB962C8B-B14F-4D97-AF65-F5344CB8AC3E}">
+        <p14:creationId xmlns:p14="http://schemas.microsoft.com/office/powerpoint/2010/main" val="2519314363"/>
+      </p:ext>
+    </p:extLst>
+  </p:cSld>
+  <p:clrMapOvr>
+    <a:masterClrMapping/>
+  </p:clrMapOvr>
+</p:sld>
+</file>
+
 <file path=ppt/slides/slide13.xml><?xml version="1.0" encoding="utf-8"?>
 <p:sld xmlns:a="http://schemas.openxmlformats.org/drawingml/2006/main" xmlns:r="http://schemas.openxmlformats.org/officeDocument/2006/relationships" xmlns:p="http://schemas.openxmlformats.org/presentationml/2006/main">
   <p:cSld>
@@ -5241,7 +5218,7 @@
           <p:cNvPr id="2" name="Title 1">
             <a:extLst>
               <a:ext uri="{FF2B5EF4-FFF2-40B4-BE49-F238E27FC236}">
-                <a16:creationId xmlns:a16="http://schemas.microsoft.com/office/drawing/2014/main" id="{7F6A7442-F76E-7849-A594-1E7EED62C37A}"/>
+                <a16:creationId xmlns:a16="http://schemas.microsoft.com/office/drawing/2014/main" id="{4EAE7CCE-745D-1449-B9BE-5A3A5189489D}"/>
               </a:ext>
             </a:extLst>
           </p:cNvPr>
@@ -5259,7 +5236,7 @@
           <a:p>
             <a:r>
               <a:rPr lang="en-US" dirty="0"/>
-              <a:t>Collecting your data</a:t>
+              <a:t>Is excel always forbidden?</a:t>
             </a:r>
           </a:p>
         </p:txBody>
@@ -5269,7 +5246,7 @@
           <p:cNvPr id="3" name="Content Placeholder 2">
             <a:extLst>
               <a:ext uri="{FF2B5EF4-FFF2-40B4-BE49-F238E27FC236}">
-                <a16:creationId xmlns:a16="http://schemas.microsoft.com/office/drawing/2014/main" id="{E93E7CAE-06E7-794E-B74D-2B7EEA4F31A3}"/>
+                <a16:creationId xmlns:a16="http://schemas.microsoft.com/office/drawing/2014/main" id="{4A3D504D-AE02-9D40-85B2-2C09E72149A2}"/>
               </a:ext>
             </a:extLst>
           </p:cNvPr>
@@ -5280,30 +5257,31 @@
             <p:ph idx="1"/>
           </p:nvPr>
         </p:nvSpPr>
-        <p:spPr/>
-        <p:txBody>
-          <a:bodyPr/>
+        <p:spPr>
+          <a:xfrm>
+            <a:off x="838200" y="1825626"/>
+            <a:ext cx="10515600" cy="1296716"/>
+          </a:xfrm>
+        </p:spPr>
+        <p:txBody>
+          <a:bodyPr>
+            <a:normAutofit/>
+          </a:bodyPr>
           <a:lstStyle/>
           <a:p>
             <a:r>
               <a:rPr lang="en-US" dirty="0"/>
-              <a:t>In drawing on our knowledge of data sets that we typically load into R, each data file contains a discrete data frame of observations and values.  Free text, gaps, </a:t>
-            </a:r>
-            <a:r>
-              <a:rPr lang="en-US" dirty="0" err="1"/>
-              <a:t>colour</a:t>
-            </a:r>
+              <a:t>No.  It is a handy tool, and if used properly, can still be used easily with R.  </a:t>
+            </a:r>
+          </a:p>
+          <a:p>
+            <a:pPr lvl="1">
+              <a:buFont typeface="Courier New" panose="02070309020205020404" pitchFamily="49" charset="0"/>
+              <a:buChar char="o"/>
+            </a:pPr>
             <a:r>
               <a:rPr lang="en-US" dirty="0"/>
-              <a:t> codes, or formulas </a:t>
-            </a:r>
-            <a:r>
-              <a:rPr lang="en-US" b="1" dirty="0"/>
-              <a:t>all create problems.</a:t>
-            </a:r>
-            <a:r>
-              <a:rPr lang="en-US" dirty="0"/>
-              <a:t> </a:t>
+              <a:t>More later with Emma</a:t>
             </a:r>
           </a:p>
         </p:txBody>
@@ -5311,7 +5289,7 @@
     </p:spTree>
     <p:extLst>
       <p:ext uri="{BB962C8B-B14F-4D97-AF65-F5344CB8AC3E}">
-        <p14:creationId xmlns:p14="http://schemas.microsoft.com/office/powerpoint/2010/main" val="2519314363"/>
+        <p14:creationId xmlns:p14="http://schemas.microsoft.com/office/powerpoint/2010/main" val="1089755845"/>
       </p:ext>
     </p:extLst>
   </p:cSld>
@@ -5343,7 +5321,7 @@
           <p:cNvPr id="2" name="Title 1">
             <a:extLst>
               <a:ext uri="{FF2B5EF4-FFF2-40B4-BE49-F238E27FC236}">
-                <a16:creationId xmlns:a16="http://schemas.microsoft.com/office/drawing/2014/main" id="{4EAE7CCE-745D-1449-B9BE-5A3A5189489D}"/>
+                <a16:creationId xmlns:a16="http://schemas.microsoft.com/office/drawing/2014/main" id="{9F9128BB-F03C-5C4A-B525-E2F2054C528A}"/>
               </a:ext>
             </a:extLst>
           </p:cNvPr>
@@ -5361,7 +5339,7 @@
           <a:p>
             <a:r>
               <a:rPr lang="en-US" dirty="0"/>
-              <a:t>Is excel always forbidden?</a:t>
+              <a:t>Part 1: In summary</a:t>
             </a:r>
           </a:p>
         </p:txBody>
@@ -5371,7 +5349,7 @@
           <p:cNvPr id="3" name="Content Placeholder 2">
             <a:extLst>
               <a:ext uri="{FF2B5EF4-FFF2-40B4-BE49-F238E27FC236}">
-                <a16:creationId xmlns:a16="http://schemas.microsoft.com/office/drawing/2014/main" id="{4A3D504D-AE02-9D40-85B2-2C09E72149A2}"/>
+                <a16:creationId xmlns:a16="http://schemas.microsoft.com/office/drawing/2014/main" id="{48E3C524-4E99-9F44-8A61-342F92400EA4}"/>
               </a:ext>
             </a:extLst>
           </p:cNvPr>
@@ -5382,39 +5360,121 @@
             <p:ph idx="1"/>
           </p:nvPr>
         </p:nvSpPr>
-        <p:spPr>
-          <a:xfrm>
-            <a:off x="838200" y="1825626"/>
-            <a:ext cx="10515600" cy="1296716"/>
-          </a:xfrm>
-        </p:spPr>
-        <p:txBody>
-          <a:bodyPr>
-            <a:normAutofit/>
-          </a:bodyPr>
+        <p:spPr/>
+        <p:txBody>
+          <a:bodyPr/>
           <a:lstStyle/>
           <a:p>
             <a:r>
               <a:rPr lang="en-US" dirty="0"/>
-              <a:t>No.  It is a handy tool, and if used properly, can still be used easily with R.  </a:t>
-            </a:r>
-          </a:p>
-          <a:p>
-            <a:pPr lvl="1">
-              <a:buFont typeface="Courier New" panose="02070309020205020404" pitchFamily="49" charset="0"/>
-              <a:buChar char="o"/>
-            </a:pPr>
+              <a:t>The CSV of TXT file format is likely the best choice to use with our types of data. However, you can use excel. When you do, follow these tips:</a:t>
+            </a:r>
+          </a:p>
+          <a:p>
+            <a:pPr lvl="1"/>
+            <a:r>
+              <a:rPr lang="en-US" b="1" dirty="0">
+                <a:solidFill>
+                  <a:schemeClr val="accent6">
+                    <a:lumMod val="75000"/>
+                  </a:schemeClr>
+                </a:solidFill>
+              </a:rPr>
+              <a:t>DO</a:t>
+            </a:r>
             <a:r>
               <a:rPr lang="en-US" dirty="0"/>
-              <a:t>More later with Emma</a:t>
-            </a:r>
+              <a:t>: format your data in uniform ways</a:t>
+            </a:r>
+          </a:p>
+          <a:p>
+            <a:pPr lvl="1"/>
+            <a:r>
+              <a:rPr lang="en-US" b="1" dirty="0">
+                <a:solidFill>
+                  <a:schemeClr val="accent6">
+                    <a:lumMod val="75000"/>
+                  </a:schemeClr>
+                </a:solidFill>
+              </a:rPr>
+              <a:t>DO</a:t>
+            </a:r>
+            <a:r>
+              <a:rPr lang="en-US" dirty="0"/>
+              <a:t>: use </a:t>
+            </a:r>
+            <a:r>
+              <a:rPr lang="en-US" dirty="0" err="1"/>
+              <a:t>colours</a:t>
+            </a:r>
+            <a:r>
+              <a:rPr lang="en-US" dirty="0"/>
+              <a:t> and lines to help you visualize your data without storing crucial information</a:t>
+            </a:r>
+          </a:p>
+          <a:p>
+            <a:pPr lvl="1"/>
+            <a:r>
+              <a:rPr lang="en-US" b="1" dirty="0">
+                <a:solidFill>
+                  <a:srgbClr val="C00000"/>
+                </a:solidFill>
+              </a:rPr>
+              <a:t>DON’T</a:t>
+            </a:r>
+            <a:r>
+              <a:rPr lang="en-US" dirty="0"/>
+              <a:t>: break up your data using gaps</a:t>
+            </a:r>
+          </a:p>
+          <a:p>
+            <a:pPr lvl="1"/>
+            <a:r>
+              <a:rPr lang="en-US" b="1" dirty="0">
+                <a:solidFill>
+                  <a:srgbClr val="C00000"/>
+                </a:solidFill>
+              </a:rPr>
+              <a:t>DON’T</a:t>
+            </a:r>
+            <a:r>
+              <a:rPr lang="en-US" dirty="0"/>
+              <a:t>: take notes on the side in random places</a:t>
+            </a:r>
+          </a:p>
+          <a:p>
+            <a:pPr lvl="1"/>
+            <a:r>
+              <a:rPr lang="en-US" b="1" dirty="0">
+                <a:solidFill>
+                  <a:srgbClr val="C00000"/>
+                </a:solidFill>
+              </a:rPr>
+              <a:t>DON’T</a:t>
+            </a:r>
+            <a:r>
+              <a:rPr lang="en-US" dirty="0"/>
+              <a:t>: store information as </a:t>
+            </a:r>
+            <a:r>
+              <a:rPr lang="en-US" dirty="0" err="1"/>
+              <a:t>colour</a:t>
+            </a:r>
+            <a:r>
+              <a:rPr lang="en-US" dirty="0"/>
+              <a:t> codes</a:t>
+            </a:r>
+          </a:p>
+          <a:p>
+            <a:pPr lvl="1"/>
+            <a:endParaRPr lang="en-US" dirty="0"/>
           </a:p>
         </p:txBody>
       </p:sp>
     </p:spTree>
     <p:extLst>
       <p:ext uri="{BB962C8B-B14F-4D97-AF65-F5344CB8AC3E}">
-        <p14:creationId xmlns:p14="http://schemas.microsoft.com/office/powerpoint/2010/main" val="1089755845"/>
+        <p14:creationId xmlns:p14="http://schemas.microsoft.com/office/powerpoint/2010/main" val="183304000"/>
       </p:ext>
     </p:extLst>
   </p:cSld>
@@ -5446,191 +5506,6 @@
           <p:cNvPr id="2" name="Title 1">
             <a:extLst>
               <a:ext uri="{FF2B5EF4-FFF2-40B4-BE49-F238E27FC236}">
-                <a16:creationId xmlns:a16="http://schemas.microsoft.com/office/drawing/2014/main" id="{9F9128BB-F03C-5C4A-B525-E2F2054C528A}"/>
-              </a:ext>
-            </a:extLst>
-          </p:cNvPr>
-          <p:cNvSpPr>
-            <a:spLocks noGrp="1"/>
-          </p:cNvSpPr>
-          <p:nvPr>
-            <p:ph type="title"/>
-          </p:nvPr>
-        </p:nvSpPr>
-        <p:spPr/>
-        <p:txBody>
-          <a:bodyPr/>
-          <a:lstStyle/>
-          <a:p>
-            <a:r>
-              <a:rPr lang="en-US" dirty="0"/>
-              <a:t>Part 1: In summary</a:t>
-            </a:r>
-          </a:p>
-        </p:txBody>
-      </p:sp>
-      <p:sp>
-        <p:nvSpPr>
-          <p:cNvPr id="3" name="Content Placeholder 2">
-            <a:extLst>
-              <a:ext uri="{FF2B5EF4-FFF2-40B4-BE49-F238E27FC236}">
-                <a16:creationId xmlns:a16="http://schemas.microsoft.com/office/drawing/2014/main" id="{48E3C524-4E99-9F44-8A61-342F92400EA4}"/>
-              </a:ext>
-            </a:extLst>
-          </p:cNvPr>
-          <p:cNvSpPr>
-            <a:spLocks noGrp="1"/>
-          </p:cNvSpPr>
-          <p:nvPr>
-            <p:ph idx="1"/>
-          </p:nvPr>
-        </p:nvSpPr>
-        <p:spPr/>
-        <p:txBody>
-          <a:bodyPr/>
-          <a:lstStyle/>
-          <a:p>
-            <a:r>
-              <a:rPr lang="en-US" dirty="0"/>
-              <a:t>The CSV of TXT file format is likely the best choice to use with our types of data. However, you can use excel. When you do, follow these tips:</a:t>
-            </a:r>
-          </a:p>
-          <a:p>
-            <a:pPr lvl="1"/>
-            <a:r>
-              <a:rPr lang="en-US" b="1" dirty="0">
-                <a:solidFill>
-                  <a:schemeClr val="accent6">
-                    <a:lumMod val="75000"/>
-                  </a:schemeClr>
-                </a:solidFill>
-              </a:rPr>
-              <a:t>DO</a:t>
-            </a:r>
-            <a:r>
-              <a:rPr lang="en-US" dirty="0"/>
-              <a:t>: format your data in uniform ways</a:t>
-            </a:r>
-          </a:p>
-          <a:p>
-            <a:pPr lvl="1"/>
-            <a:r>
-              <a:rPr lang="en-US" b="1" dirty="0">
-                <a:solidFill>
-                  <a:schemeClr val="accent6">
-                    <a:lumMod val="75000"/>
-                  </a:schemeClr>
-                </a:solidFill>
-              </a:rPr>
-              <a:t>DO</a:t>
-            </a:r>
-            <a:r>
-              <a:rPr lang="en-US" dirty="0"/>
-              <a:t>: use </a:t>
-            </a:r>
-            <a:r>
-              <a:rPr lang="en-US" dirty="0" err="1"/>
-              <a:t>colours</a:t>
-            </a:r>
-            <a:r>
-              <a:rPr lang="en-US" dirty="0"/>
-              <a:t> and lines to help you visualize your data without storing crucial information</a:t>
-            </a:r>
-          </a:p>
-          <a:p>
-            <a:pPr lvl="1"/>
-            <a:r>
-              <a:rPr lang="en-US" b="1" dirty="0">
-                <a:solidFill>
-                  <a:srgbClr val="C00000"/>
-                </a:solidFill>
-              </a:rPr>
-              <a:t>DON’T</a:t>
-            </a:r>
-            <a:r>
-              <a:rPr lang="en-US" dirty="0"/>
-              <a:t>: break up your data using gaps</a:t>
-            </a:r>
-          </a:p>
-          <a:p>
-            <a:pPr lvl="1"/>
-            <a:r>
-              <a:rPr lang="en-US" b="1" dirty="0">
-                <a:solidFill>
-                  <a:srgbClr val="C00000"/>
-                </a:solidFill>
-              </a:rPr>
-              <a:t>DON’T</a:t>
-            </a:r>
-            <a:r>
-              <a:rPr lang="en-US" dirty="0"/>
-              <a:t>: take notes on the side in random places</a:t>
-            </a:r>
-          </a:p>
-          <a:p>
-            <a:pPr lvl="1"/>
-            <a:r>
-              <a:rPr lang="en-US" b="1" dirty="0">
-                <a:solidFill>
-                  <a:srgbClr val="C00000"/>
-                </a:solidFill>
-              </a:rPr>
-              <a:t>DON’T</a:t>
-            </a:r>
-            <a:r>
-              <a:rPr lang="en-US" dirty="0"/>
-              <a:t>: store information as </a:t>
-            </a:r>
-            <a:r>
-              <a:rPr lang="en-US" dirty="0" err="1"/>
-              <a:t>colour</a:t>
-            </a:r>
-            <a:r>
-              <a:rPr lang="en-US" dirty="0"/>
-              <a:t> codes</a:t>
-            </a:r>
-          </a:p>
-          <a:p>
-            <a:pPr lvl="1"/>
-            <a:endParaRPr lang="en-US" dirty="0"/>
-          </a:p>
-        </p:txBody>
-      </p:sp>
-    </p:spTree>
-    <p:extLst>
-      <p:ext uri="{BB962C8B-B14F-4D97-AF65-F5344CB8AC3E}">
-        <p14:creationId xmlns:p14="http://schemas.microsoft.com/office/powerpoint/2010/main" val="183304000"/>
-      </p:ext>
-    </p:extLst>
-  </p:cSld>
-  <p:clrMapOvr>
-    <a:masterClrMapping/>
-  </p:clrMapOvr>
-</p:sld>
-</file>
-
-<file path=ppt/slides/slide16.xml><?xml version="1.0" encoding="utf-8"?>
-<p:sld xmlns:a="http://schemas.openxmlformats.org/drawingml/2006/main" xmlns:r="http://schemas.openxmlformats.org/officeDocument/2006/relationships" xmlns:p="http://schemas.openxmlformats.org/presentationml/2006/main">
-  <p:cSld>
-    <p:spTree>
-      <p:nvGrpSpPr>
-        <p:cNvPr id="1" name=""/>
-        <p:cNvGrpSpPr/>
-        <p:nvPr/>
-      </p:nvGrpSpPr>
-      <p:grpSpPr>
-        <a:xfrm>
-          <a:off x="0" y="0"/>
-          <a:ext cx="0" cy="0"/>
-          <a:chOff x="0" y="0"/>
-          <a:chExt cx="0" cy="0"/>
-        </a:xfrm>
-      </p:grpSpPr>
-      <p:sp>
-        <p:nvSpPr>
-          <p:cNvPr id="2" name="Title 1">
-            <a:extLst>
-              <a:ext uri="{FF2B5EF4-FFF2-40B4-BE49-F238E27FC236}">
                 <a16:creationId xmlns:a16="http://schemas.microsoft.com/office/drawing/2014/main" id="{CE91D3F9-8A75-E346-A537-A89F860CED77}"/>
               </a:ext>
             </a:extLst>
@@ -5733,7 +5608,7 @@
 </p:sld>
 </file>
 
-<file path=ppt/slides/slide17.xml><?xml version="1.0" encoding="utf-8"?>
+<file path=ppt/slides/slide16.xml><?xml version="1.0" encoding="utf-8"?>
 <p:sld xmlns:a="http://schemas.openxmlformats.org/drawingml/2006/main" xmlns:r="http://schemas.openxmlformats.org/officeDocument/2006/relationships" xmlns:p="http://schemas.openxmlformats.org/presentationml/2006/main">
   <p:cSld>
     <p:spTree>
@@ -6127,7 +6002,7 @@
 </p:sld>
 </file>
 
-<file path=ppt/slides/slide18.xml><?xml version="1.0" encoding="utf-8"?>
+<file path=ppt/slides/slide17.xml><?xml version="1.0" encoding="utf-8"?>
 <p:sld xmlns:a="http://schemas.openxmlformats.org/drawingml/2006/main" xmlns:r="http://schemas.openxmlformats.org/officeDocument/2006/relationships" xmlns:p="http://schemas.openxmlformats.org/presentationml/2006/main">
   <p:cSld>
     <p:spTree>
@@ -6455,6 +6330,74 @@
 </p:sld>
 </file>
 
+<file path=ppt/slides/slide18.xml><?xml version="1.0" encoding="utf-8"?>
+<p:sld xmlns:a="http://schemas.openxmlformats.org/drawingml/2006/main" xmlns:r="http://schemas.openxmlformats.org/officeDocument/2006/relationships" xmlns:p="http://schemas.openxmlformats.org/presentationml/2006/main">
+  <p:cSld>
+    <p:spTree>
+      <p:nvGrpSpPr>
+        <p:cNvPr id="1" name=""/>
+        <p:cNvGrpSpPr/>
+        <p:nvPr/>
+      </p:nvGrpSpPr>
+      <p:grpSpPr>
+        <a:xfrm>
+          <a:off x="0" y="0"/>
+          <a:ext cx="0" cy="0"/>
+          <a:chOff x="0" y="0"/>
+          <a:chExt cx="0" cy="0"/>
+        </a:xfrm>
+      </p:grpSpPr>
+      <p:sp>
+        <p:nvSpPr>
+          <p:cNvPr id="2" name="Title 1">
+            <a:extLst>
+              <a:ext uri="{FF2B5EF4-FFF2-40B4-BE49-F238E27FC236}">
+                <a16:creationId xmlns:a16="http://schemas.microsoft.com/office/drawing/2014/main" id="{03C029EB-52AA-DE4F-AA30-936800431D4E}"/>
+              </a:ext>
+            </a:extLst>
+          </p:cNvPr>
+          <p:cNvSpPr>
+            <a:spLocks noGrp="1"/>
+          </p:cNvSpPr>
+          <p:nvPr>
+            <p:ph type="title"/>
+          </p:nvPr>
+        </p:nvSpPr>
+        <p:spPr>
+          <a:xfrm>
+            <a:off x="814754" y="2780079"/>
+            <a:ext cx="10515600" cy="1325563"/>
+          </a:xfrm>
+        </p:spPr>
+        <p:txBody>
+          <a:bodyPr/>
+          <a:lstStyle/>
+          <a:p>
+            <a:r>
+              <a:rPr lang="en-US" dirty="0"/>
+              <a:t>Today we will load some data into R. But first, we need a brief introduction to </a:t>
+            </a:r>
+            <a:r>
+              <a:rPr lang="en-US" b="1" i="1" dirty="0"/>
+              <a:t>packages</a:t>
+            </a:r>
+            <a:endParaRPr lang="en-US" dirty="0"/>
+          </a:p>
+        </p:txBody>
+      </p:sp>
+    </p:spTree>
+    <p:extLst>
+      <p:ext uri="{BB962C8B-B14F-4D97-AF65-F5344CB8AC3E}">
+        <p14:creationId xmlns:p14="http://schemas.microsoft.com/office/powerpoint/2010/main" val="2341791514"/>
+      </p:ext>
+    </p:extLst>
+  </p:cSld>
+  <p:clrMapOvr>
+    <a:masterClrMapping/>
+  </p:clrMapOvr>
+</p:sld>
+</file>
+
 <file path=ppt/slides/slide19.xml><?xml version="1.0" encoding="utf-8"?>
 <p:sld xmlns:a="http://schemas.openxmlformats.org/drawingml/2006/main" xmlns:r="http://schemas.openxmlformats.org/officeDocument/2006/relationships" xmlns:p="http://schemas.openxmlformats.org/presentationml/2006/main">
   <p:cSld>
@@ -6477,7 +6420,7 @@
           <p:cNvPr id="2" name="Title 1">
             <a:extLst>
               <a:ext uri="{FF2B5EF4-FFF2-40B4-BE49-F238E27FC236}">
-                <a16:creationId xmlns:a16="http://schemas.microsoft.com/office/drawing/2014/main" id="{03C029EB-52AA-DE4F-AA30-936800431D4E}"/>
+                <a16:creationId xmlns:a16="http://schemas.microsoft.com/office/drawing/2014/main" id="{0D42DEA2-2124-4027-836B-0C4B00C5A366}"/>
               </a:ext>
             </a:extLst>
           </p:cNvPr>
@@ -6488,32 +6431,23 @@
             <p:ph type="title"/>
           </p:nvPr>
         </p:nvSpPr>
-        <p:spPr>
-          <a:xfrm>
-            <a:off x="814754" y="2780079"/>
-            <a:ext cx="10515600" cy="1325563"/>
-          </a:xfrm>
-        </p:spPr>
+        <p:spPr/>
         <p:txBody>
           <a:bodyPr/>
           <a:lstStyle/>
           <a:p>
             <a:r>
               <a:rPr lang="en-US" dirty="0"/>
-              <a:t>Today we will load some data into R. But first, we need a brief introduction to </a:t>
-            </a:r>
-            <a:r>
-              <a:rPr lang="en-US" b="1" i="1" dirty="0"/>
-              <a:t>packages</a:t>
-            </a:r>
-            <a:endParaRPr lang="en-US" dirty="0"/>
+              <a:t>Package Primer</a:t>
+            </a:r>
+            <a:endParaRPr lang="en-GB" dirty="0"/>
           </a:p>
         </p:txBody>
       </p:sp>
     </p:spTree>
     <p:extLst>
       <p:ext uri="{BB962C8B-B14F-4D97-AF65-F5344CB8AC3E}">
-        <p14:creationId xmlns:p14="http://schemas.microsoft.com/office/powerpoint/2010/main" val="2341791514"/>
+        <p14:creationId xmlns:p14="http://schemas.microsoft.com/office/powerpoint/2010/main" val="930537615"/>
       </p:ext>
     </p:extLst>
   </p:cSld>
@@ -6540,40 +6474,141 @@
           <a:chExt cx="0" cy="0"/>
         </a:xfrm>
       </p:grpSpPr>
-      <p:pic>
-        <p:nvPicPr>
-          <p:cNvPr id="7" name="Picture 6">
-            <a:extLst>
-              <a:ext uri="{FF2B5EF4-FFF2-40B4-BE49-F238E27FC236}">
-                <a16:creationId xmlns:a16="http://schemas.microsoft.com/office/drawing/2014/main" id="{31C2790F-FB6E-DC4C-A7F3-273D54D7C0A4}"/>
-              </a:ext>
-            </a:extLst>
-          </p:cNvPr>
-          <p:cNvPicPr>
-            <a:picLocks noChangeAspect="1"/>
-          </p:cNvPicPr>
-          <p:nvPr/>
-        </p:nvPicPr>
-        <p:blipFill>
-          <a:blip r:embed="rId2"/>
-          <a:stretch>
-            <a:fillRect/>
-          </a:stretch>
-        </p:blipFill>
-        <p:spPr>
-          <a:xfrm>
-            <a:off x="413791" y="1501530"/>
-            <a:ext cx="11403070" cy="3648218"/>
-          </a:xfrm>
-          <a:prstGeom prst="rect">
-            <a:avLst/>
-          </a:prstGeom>
-        </p:spPr>
-      </p:pic>
+      <p:sp>
+        <p:nvSpPr>
+          <p:cNvPr id="2" name="Title 1">
+            <a:extLst>
+              <a:ext uri="{FF2B5EF4-FFF2-40B4-BE49-F238E27FC236}">
+                <a16:creationId xmlns:a16="http://schemas.microsoft.com/office/drawing/2014/main" id="{C4C41ABA-FBED-9E42-B4DE-83687B2A2E2A}"/>
+              </a:ext>
+            </a:extLst>
+          </p:cNvPr>
+          <p:cNvSpPr>
+            <a:spLocks noGrp="1"/>
+          </p:cNvSpPr>
+          <p:nvPr>
+            <p:ph type="title"/>
+          </p:nvPr>
+        </p:nvSpPr>
+        <p:spPr/>
+        <p:txBody>
+          <a:bodyPr/>
+          <a:lstStyle/>
+          <a:p>
+            <a:r>
+              <a:rPr lang="en-US"/>
+              <a:t>What’s on for today</a:t>
+            </a:r>
+          </a:p>
+        </p:txBody>
+      </p:sp>
+      <p:sp>
+        <p:nvSpPr>
+          <p:cNvPr id="3" name="Content Placeholder 2">
+            <a:extLst>
+              <a:ext uri="{FF2B5EF4-FFF2-40B4-BE49-F238E27FC236}">
+                <a16:creationId xmlns:a16="http://schemas.microsoft.com/office/drawing/2014/main" id="{F97C62BC-F20A-8047-8E9D-134CC93BDE59}"/>
+              </a:ext>
+            </a:extLst>
+          </p:cNvPr>
+          <p:cNvSpPr>
+            <a:spLocks noGrp="1"/>
+          </p:cNvSpPr>
+          <p:nvPr>
+            <p:ph idx="1"/>
+          </p:nvPr>
+        </p:nvSpPr>
+        <p:spPr/>
+        <p:txBody>
+          <a:bodyPr vert="horz" lIns="91440" tIns="45720" rIns="91440" bIns="45720" rtlCol="0" anchor="t">
+            <a:normAutofit/>
+          </a:bodyPr>
+          <a:lstStyle/>
+          <a:p>
+            <a:pPr marL="514350" indent="-514350">
+              <a:buAutoNum type="arabicPeriod"/>
+            </a:pPr>
+            <a:r>
+              <a:rPr lang="en-US" dirty="0"/>
+              <a:t>Recap from last class:</a:t>
+            </a:r>
+          </a:p>
+          <a:p>
+            <a:pPr marL="971550" lvl="1" indent="-514350">
+              <a:buFont typeface="+mj-lt"/>
+              <a:buAutoNum type="romanUcPeriod"/>
+            </a:pPr>
+            <a:r>
+              <a:rPr lang="en-US" dirty="0"/>
+              <a:t>R studio setup</a:t>
+            </a:r>
+          </a:p>
+          <a:p>
+            <a:pPr marL="971550" lvl="1" indent="-514350">
+              <a:buFont typeface="+mj-lt"/>
+              <a:buAutoNum type="romanUcPeriod"/>
+            </a:pPr>
+            <a:r>
+              <a:rPr lang="en-US" dirty="0"/>
+              <a:t>Vectors and data frames: basic navigation</a:t>
+            </a:r>
+          </a:p>
+          <a:p>
+            <a:pPr marL="514350" indent="-514350">
+              <a:buAutoNum type="arabicPeriod"/>
+            </a:pPr>
+            <a:r>
+              <a:rPr lang="en-US" dirty="0"/>
+              <a:t>An introduction to the concept of “tidy data” for the excel user</a:t>
+            </a:r>
+          </a:p>
+          <a:p>
+            <a:pPr marL="514350" indent="-514350">
+              <a:buAutoNum type="arabicPeriod"/>
+            </a:pPr>
+            <a:r>
+              <a:rPr lang="en-US" dirty="0"/>
+              <a:t>An introduction to R packages</a:t>
+            </a:r>
+          </a:p>
+          <a:p>
+            <a:pPr marL="514350" indent="-514350">
+              <a:buAutoNum type="arabicPeriod"/>
+            </a:pPr>
+            <a:r>
+              <a:rPr lang="en-US" dirty="0"/>
+              <a:t>Reading a data set into R (</a:t>
+            </a:r>
+            <a:r>
+              <a:rPr lang="en-US" b="1" dirty="0"/>
+              <a:t>hands-on R lesson)</a:t>
+            </a:r>
+            <a:endParaRPr lang="en-US" dirty="0"/>
+          </a:p>
+          <a:p>
+            <a:pPr marL="514350" indent="-514350">
+              <a:buAutoNum type="arabicPeriod"/>
+            </a:pPr>
+            <a:r>
+              <a:rPr lang="en-US" dirty="0"/>
+              <a:t>Getting to know your data set using R commands </a:t>
+            </a:r>
+            <a:r>
+              <a:rPr lang="en-US" b="1" dirty="0"/>
+              <a:t>(hands-on R </a:t>
+            </a:r>
+            <a:r>
+              <a:rPr lang="en-US" b="1"/>
+              <a:t>lesson)</a:t>
+            </a:r>
+            <a:endParaRPr lang="en-US"/>
+          </a:p>
+        </p:txBody>
+      </p:sp>
     </p:spTree>
     <p:extLst>
       <p:ext uri="{BB962C8B-B14F-4D97-AF65-F5344CB8AC3E}">
-        <p14:creationId xmlns:p14="http://schemas.microsoft.com/office/powerpoint/2010/main" val="1501124879"/>
+        <p14:creationId xmlns:p14="http://schemas.microsoft.com/office/powerpoint/2010/main" val="2313802261"/>
       </p:ext>
     </p:extLst>
   </p:cSld>
@@ -6584,65 +6619,6 @@
 </file>
 
 <file path=ppt/slides/slide20.xml><?xml version="1.0" encoding="utf-8"?>
-<p:sld xmlns:a="http://schemas.openxmlformats.org/drawingml/2006/main" xmlns:r="http://schemas.openxmlformats.org/officeDocument/2006/relationships" xmlns:p="http://schemas.openxmlformats.org/presentationml/2006/main">
-  <p:cSld>
-    <p:spTree>
-      <p:nvGrpSpPr>
-        <p:cNvPr id="1" name=""/>
-        <p:cNvGrpSpPr/>
-        <p:nvPr/>
-      </p:nvGrpSpPr>
-      <p:grpSpPr>
-        <a:xfrm>
-          <a:off x="0" y="0"/>
-          <a:ext cx="0" cy="0"/>
-          <a:chOff x="0" y="0"/>
-          <a:chExt cx="0" cy="0"/>
-        </a:xfrm>
-      </p:grpSpPr>
-      <p:sp>
-        <p:nvSpPr>
-          <p:cNvPr id="2" name="Title 1">
-            <a:extLst>
-              <a:ext uri="{FF2B5EF4-FFF2-40B4-BE49-F238E27FC236}">
-                <a16:creationId xmlns:a16="http://schemas.microsoft.com/office/drawing/2014/main" id="{0D42DEA2-2124-4027-836B-0C4B00C5A366}"/>
-              </a:ext>
-            </a:extLst>
-          </p:cNvPr>
-          <p:cNvSpPr>
-            <a:spLocks noGrp="1"/>
-          </p:cNvSpPr>
-          <p:nvPr>
-            <p:ph type="title"/>
-          </p:nvPr>
-        </p:nvSpPr>
-        <p:spPr/>
-        <p:txBody>
-          <a:bodyPr/>
-          <a:lstStyle/>
-          <a:p>
-            <a:r>
-              <a:rPr lang="en-US" dirty="0"/>
-              <a:t>Package Primer</a:t>
-            </a:r>
-            <a:endParaRPr lang="en-GB" dirty="0"/>
-          </a:p>
-        </p:txBody>
-      </p:sp>
-    </p:spTree>
-    <p:extLst>
-      <p:ext uri="{BB962C8B-B14F-4D97-AF65-F5344CB8AC3E}">
-        <p14:creationId xmlns:p14="http://schemas.microsoft.com/office/powerpoint/2010/main" val="930537615"/>
-      </p:ext>
-    </p:extLst>
-  </p:cSld>
-  <p:clrMapOvr>
-    <a:masterClrMapping/>
-  </p:clrMapOvr>
-</p:sld>
-</file>
-
-<file path=ppt/slides/slide21.xml><?xml version="1.0" encoding="utf-8"?>
 <p:sld xmlns:a="http://schemas.openxmlformats.org/drawingml/2006/main" xmlns:r="http://schemas.openxmlformats.org/officeDocument/2006/relationships" xmlns:p="http://schemas.openxmlformats.org/presentationml/2006/main">
   <p:cSld>
     <p:spTree>
@@ -7170,6 +7146,129 @@
 </p:sld>
 </file>
 
+<file path=ppt/slides/slide21.xml><?xml version="1.0" encoding="utf-8"?>
+<p:sld xmlns:a="http://schemas.openxmlformats.org/drawingml/2006/main" xmlns:r="http://schemas.openxmlformats.org/officeDocument/2006/relationships" xmlns:p="http://schemas.openxmlformats.org/presentationml/2006/main">
+  <p:cSld>
+    <p:spTree>
+      <p:nvGrpSpPr>
+        <p:cNvPr id="1" name=""/>
+        <p:cNvGrpSpPr/>
+        <p:nvPr/>
+      </p:nvGrpSpPr>
+      <p:grpSpPr>
+        <a:xfrm>
+          <a:off x="0" y="0"/>
+          <a:ext cx="0" cy="0"/>
+          <a:chOff x="0" y="0"/>
+          <a:chExt cx="0" cy="0"/>
+        </a:xfrm>
+      </p:grpSpPr>
+      <p:sp>
+        <p:nvSpPr>
+          <p:cNvPr id="2" name="Title 1">
+            <a:extLst>
+              <a:ext uri="{FF2B5EF4-FFF2-40B4-BE49-F238E27FC236}">
+                <a16:creationId xmlns:a16="http://schemas.microsoft.com/office/drawing/2014/main" id="{168D5BC0-C4DC-4447-ACD8-1FDFA1DB241E}"/>
+              </a:ext>
+            </a:extLst>
+          </p:cNvPr>
+          <p:cNvSpPr>
+            <a:spLocks noGrp="1"/>
+          </p:cNvSpPr>
+          <p:nvPr>
+            <p:ph type="title"/>
+          </p:nvPr>
+        </p:nvSpPr>
+        <p:spPr/>
+        <p:txBody>
+          <a:bodyPr/>
+          <a:lstStyle/>
+          <a:p>
+            <a:r>
+              <a:rPr lang="en-US" dirty="0"/>
+              <a:t>What is a package?</a:t>
+            </a:r>
+          </a:p>
+        </p:txBody>
+      </p:sp>
+      <p:sp>
+        <p:nvSpPr>
+          <p:cNvPr id="3" name="Content Placeholder 2">
+            <a:extLst>
+              <a:ext uri="{FF2B5EF4-FFF2-40B4-BE49-F238E27FC236}">
+                <a16:creationId xmlns:a16="http://schemas.microsoft.com/office/drawing/2014/main" id="{F13D60B5-2E7C-C642-9AC6-30521CC44A56}"/>
+              </a:ext>
+            </a:extLst>
+          </p:cNvPr>
+          <p:cNvSpPr>
+            <a:spLocks noGrp="1"/>
+          </p:cNvSpPr>
+          <p:nvPr>
+            <p:ph idx="1"/>
+          </p:nvPr>
+        </p:nvSpPr>
+        <p:spPr>
+          <a:xfrm>
+            <a:off x="838200" y="1825625"/>
+            <a:ext cx="10515600" cy="2183667"/>
+          </a:xfrm>
+        </p:spPr>
+        <p:txBody>
+          <a:bodyPr/>
+          <a:lstStyle/>
+          <a:p>
+            <a:r>
+              <a:rPr lang="en-US" dirty="0"/>
+              <a:t>Unlike software, R packages are free to you</a:t>
+            </a:r>
+          </a:p>
+          <a:p>
+            <a:r>
+              <a:rPr lang="en-US" dirty="0"/>
+              <a:t>They are downloaded using the  </a:t>
+            </a:r>
+            <a:r>
+              <a:rPr lang="en-US" b="1" i="1" dirty="0" err="1"/>
+              <a:t>install.packages</a:t>
+            </a:r>
+            <a:r>
+              <a:rPr lang="en-US" b="1" i="1" dirty="0"/>
+              <a:t>() </a:t>
+            </a:r>
+            <a:r>
+              <a:rPr lang="en-US" dirty="0"/>
+              <a:t>function</a:t>
+            </a:r>
+          </a:p>
+          <a:p>
+            <a:r>
+              <a:rPr lang="en-US" dirty="0"/>
+              <a:t>They are “opened” using the </a:t>
+            </a:r>
+            <a:r>
+              <a:rPr lang="en-US" b="1" i="1" dirty="0"/>
+              <a:t>library()</a:t>
+            </a:r>
+            <a:r>
+              <a:rPr lang="en-US" dirty="0"/>
+              <a:t> function</a:t>
+            </a:r>
+          </a:p>
+        </p:txBody>
+      </p:sp>
+    </p:spTree>
+    <p:extLst>
+      <p:ext uri="{BB962C8B-B14F-4D97-AF65-F5344CB8AC3E}">
+        <p14:creationId xmlns:p14="http://schemas.microsoft.com/office/powerpoint/2010/main" val="3307238443"/>
+      </p:ext>
+    </p:extLst>
+  </p:cSld>
+  <p:clrMapOvr>
+    <a:masterClrMapping/>
+  </p:clrMapOvr>
+</p:sld>
+</file>
+
 <file path=ppt/slides/slide22.xml><?xml version="1.0" encoding="utf-8"?>
 <p:sld xmlns:a="http://schemas.openxmlformats.org/drawingml/2006/main" xmlns:r="http://schemas.openxmlformats.org/officeDocument/2006/relationships" xmlns:p="http://schemas.openxmlformats.org/presentationml/2006/main">
   <p:cSld>
@@ -7192,7 +7291,7 @@
           <p:cNvPr id="2" name="Title 1">
             <a:extLst>
               <a:ext uri="{FF2B5EF4-FFF2-40B4-BE49-F238E27FC236}">
-                <a16:creationId xmlns:a16="http://schemas.microsoft.com/office/drawing/2014/main" id="{168D5BC0-C4DC-4447-ACD8-1FDFA1DB241E}"/>
+                <a16:creationId xmlns:a16="http://schemas.microsoft.com/office/drawing/2014/main" id="{03C029EB-52AA-DE4F-AA30-936800431D4E}"/>
               </a:ext>
             </a:extLst>
           </p:cNvPr>
@@ -7201,40 +7300,12 @@
           </p:cNvSpPr>
           <p:nvPr>
             <p:ph type="title"/>
-          </p:nvPr>
-        </p:nvSpPr>
-        <p:spPr/>
-        <p:txBody>
-          <a:bodyPr/>
-          <a:lstStyle/>
-          <a:p>
-            <a:r>
-              <a:rPr lang="en-US" dirty="0"/>
-              <a:t>What is a package?</a:t>
-            </a:r>
-          </a:p>
-        </p:txBody>
-      </p:sp>
-      <p:sp>
-        <p:nvSpPr>
-          <p:cNvPr id="3" name="Content Placeholder 2">
-            <a:extLst>
-              <a:ext uri="{FF2B5EF4-FFF2-40B4-BE49-F238E27FC236}">
-                <a16:creationId xmlns:a16="http://schemas.microsoft.com/office/drawing/2014/main" id="{F13D60B5-2E7C-C642-9AC6-30521CC44A56}"/>
-              </a:ext>
-            </a:extLst>
-          </p:cNvPr>
-          <p:cNvSpPr>
-            <a:spLocks noGrp="1"/>
-          </p:cNvSpPr>
-          <p:nvPr>
-            <p:ph idx="1"/>
           </p:nvPr>
         </p:nvSpPr>
         <p:spPr>
           <a:xfrm>
-            <a:off x="838200" y="1825625"/>
-            <a:ext cx="10515600" cy="2183667"/>
+            <a:off x="814754" y="2780079"/>
+            <a:ext cx="10515600" cy="1325563"/>
           </a:xfrm>
         </p:spPr>
         <p:txBody>
@@ -7243,39 +7314,7 @@
           <a:p>
             <a:r>
               <a:rPr lang="en-US" dirty="0"/>
-              <a:t>Unlike software, R packages are free to you</a:t>
-            </a:r>
-          </a:p>
-          <a:p>
-            <a:r>
-              <a:rPr lang="en-US" dirty="0"/>
-              <a:t>They are downloaded using the  </a:t>
-            </a:r>
-            <a:r>
-              <a:rPr lang="en-US" b="1" i="1" dirty="0" err="1"/>
-              <a:t>install.packages</a:t>
-            </a:r>
-            <a:r>
-              <a:rPr lang="en-US" b="1" i="1" dirty="0"/>
-              <a:t>() </a:t>
-            </a:r>
-            <a:r>
-              <a:rPr lang="en-US" dirty="0"/>
-              <a:t>function</a:t>
-            </a:r>
-          </a:p>
-          <a:p>
-            <a:r>
-              <a:rPr lang="en-US" dirty="0"/>
-              <a:t>They are “opened” using the </a:t>
-            </a:r>
-            <a:r>
-              <a:rPr lang="en-US" b="1" i="1" dirty="0"/>
-              <a:t>library()</a:t>
-            </a:r>
-            <a:r>
-              <a:rPr lang="en-US" dirty="0"/>
-              <a:t> function</a:t>
+              <a:t>Let’s get ready to “read in” our data.  First, a brief overview of what reading data looks like.</a:t>
             </a:r>
           </a:p>
         </p:txBody>
@@ -7283,7 +7322,7 @@
     </p:spTree>
     <p:extLst>
       <p:ext uri="{BB962C8B-B14F-4D97-AF65-F5344CB8AC3E}">
-        <p14:creationId xmlns:p14="http://schemas.microsoft.com/office/powerpoint/2010/main" val="3307238443"/>
+        <p14:creationId xmlns:p14="http://schemas.microsoft.com/office/powerpoint/2010/main" val="3629427348"/>
       </p:ext>
     </p:extLst>
   </p:cSld>
@@ -7315,69 +7354,6 @@
           <p:cNvPr id="2" name="Title 1">
             <a:extLst>
               <a:ext uri="{FF2B5EF4-FFF2-40B4-BE49-F238E27FC236}">
-                <a16:creationId xmlns:a16="http://schemas.microsoft.com/office/drawing/2014/main" id="{03C029EB-52AA-DE4F-AA30-936800431D4E}"/>
-              </a:ext>
-            </a:extLst>
-          </p:cNvPr>
-          <p:cNvSpPr>
-            <a:spLocks noGrp="1"/>
-          </p:cNvSpPr>
-          <p:nvPr>
-            <p:ph type="title"/>
-          </p:nvPr>
-        </p:nvSpPr>
-        <p:spPr>
-          <a:xfrm>
-            <a:off x="814754" y="2780079"/>
-            <a:ext cx="10515600" cy="1325563"/>
-          </a:xfrm>
-        </p:spPr>
-        <p:txBody>
-          <a:bodyPr/>
-          <a:lstStyle/>
-          <a:p>
-            <a:r>
-              <a:rPr lang="en-US" dirty="0"/>
-              <a:t>Let’s get ready to “read in” our data.  First, a brief overview of what reading data looks like.</a:t>
-            </a:r>
-          </a:p>
-        </p:txBody>
-      </p:sp>
-    </p:spTree>
-    <p:extLst>
-      <p:ext uri="{BB962C8B-B14F-4D97-AF65-F5344CB8AC3E}">
-        <p14:creationId xmlns:p14="http://schemas.microsoft.com/office/powerpoint/2010/main" val="3629427348"/>
-      </p:ext>
-    </p:extLst>
-  </p:cSld>
-  <p:clrMapOvr>
-    <a:masterClrMapping/>
-  </p:clrMapOvr>
-</p:sld>
-</file>
-
-<file path=ppt/slides/slide24.xml><?xml version="1.0" encoding="utf-8"?>
-<p:sld xmlns:a="http://schemas.openxmlformats.org/drawingml/2006/main" xmlns:r="http://schemas.openxmlformats.org/officeDocument/2006/relationships" xmlns:p="http://schemas.openxmlformats.org/presentationml/2006/main">
-  <p:cSld>
-    <p:spTree>
-      <p:nvGrpSpPr>
-        <p:cNvPr id="1" name=""/>
-        <p:cNvGrpSpPr/>
-        <p:nvPr/>
-      </p:nvGrpSpPr>
-      <p:grpSpPr>
-        <a:xfrm>
-          <a:off x="0" y="0"/>
-          <a:ext cx="0" cy="0"/>
-          <a:chOff x="0" y="0"/>
-          <a:chExt cx="0" cy="0"/>
-        </a:xfrm>
-      </p:grpSpPr>
-      <p:sp>
-        <p:nvSpPr>
-          <p:cNvPr id="2" name="Title 1">
-            <a:extLst>
-              <a:ext uri="{FF2B5EF4-FFF2-40B4-BE49-F238E27FC236}">
                 <a16:creationId xmlns:a16="http://schemas.microsoft.com/office/drawing/2014/main" id="{0D42DEA2-2124-4027-836B-0C4B00C5A366}"/>
               </a:ext>
             </a:extLst>
@@ -7415,7 +7391,7 @@
 </p:sld>
 </file>
 
-<file path=ppt/slides/slide25.xml><?xml version="1.0" encoding="utf-8"?>
+<file path=ppt/slides/slide24.xml><?xml version="1.0" encoding="utf-8"?>
 <p:sld xmlns:a="http://schemas.openxmlformats.org/drawingml/2006/main" xmlns:r="http://schemas.openxmlformats.org/officeDocument/2006/relationships" xmlns:p="http://schemas.openxmlformats.org/presentationml/2006/main">
   <p:cSld>
     <p:spTree>
@@ -7761,7 +7737,7 @@
 </p:sld>
 </file>
 
-<file path=ppt/slides/slide26.xml><?xml version="1.0" encoding="utf-8"?>
+<file path=ppt/slides/slide25.xml><?xml version="1.0" encoding="utf-8"?>
 <p:sld xmlns:a="http://schemas.openxmlformats.org/drawingml/2006/main" xmlns:r="http://schemas.openxmlformats.org/officeDocument/2006/relationships" xmlns:p="http://schemas.openxmlformats.org/presentationml/2006/main">
   <p:cSld>
     <p:spTree>
@@ -7821,7 +7797,7 @@
 </p:sld>
 </file>
 
-<file path=ppt/slides/slide27.xml><?xml version="1.0" encoding="utf-8"?>
+<file path=ppt/slides/slide26.xml><?xml version="1.0" encoding="utf-8"?>
 <p:sld xmlns:a="http://schemas.openxmlformats.org/drawingml/2006/main" xmlns:r="http://schemas.openxmlformats.org/officeDocument/2006/relationships" xmlns:p="http://schemas.openxmlformats.org/presentationml/2006/main">
   <p:cSld>
     <p:spTree>
@@ -7901,167 +7877,6 @@
           <p:cNvPr id="2" name="Title 1">
             <a:extLst>
               <a:ext uri="{FF2B5EF4-FFF2-40B4-BE49-F238E27FC236}">
-                <a16:creationId xmlns:a16="http://schemas.microsoft.com/office/drawing/2014/main" id="{C4C41ABA-FBED-9E42-B4DE-83687B2A2E2A}"/>
-              </a:ext>
-            </a:extLst>
-          </p:cNvPr>
-          <p:cNvSpPr>
-            <a:spLocks noGrp="1"/>
-          </p:cNvSpPr>
-          <p:nvPr>
-            <p:ph type="title"/>
-          </p:nvPr>
-        </p:nvSpPr>
-        <p:spPr/>
-        <p:txBody>
-          <a:bodyPr/>
-          <a:lstStyle/>
-          <a:p>
-            <a:r>
-              <a:rPr lang="en-US"/>
-              <a:t>What’s on for today</a:t>
-            </a:r>
-          </a:p>
-        </p:txBody>
-      </p:sp>
-      <p:sp>
-        <p:nvSpPr>
-          <p:cNvPr id="3" name="Content Placeholder 2">
-            <a:extLst>
-              <a:ext uri="{FF2B5EF4-FFF2-40B4-BE49-F238E27FC236}">
-                <a16:creationId xmlns:a16="http://schemas.microsoft.com/office/drawing/2014/main" id="{F97C62BC-F20A-8047-8E9D-134CC93BDE59}"/>
-              </a:ext>
-            </a:extLst>
-          </p:cNvPr>
-          <p:cNvSpPr>
-            <a:spLocks noGrp="1"/>
-          </p:cNvSpPr>
-          <p:nvPr>
-            <p:ph idx="1"/>
-          </p:nvPr>
-        </p:nvSpPr>
-        <p:spPr/>
-        <p:txBody>
-          <a:bodyPr vert="horz" lIns="91440" tIns="45720" rIns="91440" bIns="45720" rtlCol="0" anchor="t">
-            <a:normAutofit/>
-          </a:bodyPr>
-          <a:lstStyle/>
-          <a:p>
-            <a:pPr marL="514350" indent="-514350">
-              <a:buAutoNum type="arabicPeriod"/>
-            </a:pPr>
-            <a:r>
-              <a:rPr lang="en-US" dirty="0"/>
-              <a:t>Recap from last class:</a:t>
-            </a:r>
-          </a:p>
-          <a:p>
-            <a:pPr marL="971550" lvl="1" indent="-514350">
-              <a:buFont typeface="+mj-lt"/>
-              <a:buAutoNum type="romanUcPeriod"/>
-            </a:pPr>
-            <a:r>
-              <a:rPr lang="en-US" dirty="0"/>
-              <a:t>R studio setup</a:t>
-            </a:r>
-          </a:p>
-          <a:p>
-            <a:pPr marL="971550" lvl="1" indent="-514350">
-              <a:buFont typeface="+mj-lt"/>
-              <a:buAutoNum type="romanUcPeriod"/>
-            </a:pPr>
-            <a:r>
-              <a:rPr lang="en-US" dirty="0"/>
-              <a:t>Vectors and data frames: basic navigation</a:t>
-            </a:r>
-          </a:p>
-          <a:p>
-            <a:pPr marL="514350" indent="-514350">
-              <a:buAutoNum type="arabicPeriod"/>
-            </a:pPr>
-            <a:r>
-              <a:rPr lang="en-US" dirty="0"/>
-              <a:t>An introduction to the concept of “tidy data” for the excel user</a:t>
-            </a:r>
-          </a:p>
-          <a:p>
-            <a:pPr marL="514350" indent="-514350">
-              <a:buAutoNum type="arabicPeriod"/>
-            </a:pPr>
-            <a:r>
-              <a:rPr lang="en-US" dirty="0"/>
-              <a:t>An introduction to R packages</a:t>
-            </a:r>
-          </a:p>
-          <a:p>
-            <a:pPr marL="514350" indent="-514350">
-              <a:buAutoNum type="arabicPeriod"/>
-            </a:pPr>
-            <a:r>
-              <a:rPr lang="en-US" dirty="0"/>
-              <a:t>Reading a data set into R (</a:t>
-            </a:r>
-            <a:r>
-              <a:rPr lang="en-US" b="1" dirty="0"/>
-              <a:t>hands-on R lesson)</a:t>
-            </a:r>
-            <a:endParaRPr lang="en-US" dirty="0"/>
-          </a:p>
-          <a:p>
-            <a:pPr marL="514350" indent="-514350">
-              <a:buAutoNum type="arabicPeriod"/>
-            </a:pPr>
-            <a:r>
-              <a:rPr lang="en-US" dirty="0"/>
-              <a:t>Getting to know your data set using R commands </a:t>
-            </a:r>
-            <a:r>
-              <a:rPr lang="en-US" b="1" dirty="0"/>
-              <a:t>(hands-on R </a:t>
-            </a:r>
-            <a:r>
-              <a:rPr lang="en-US" b="1"/>
-              <a:t>lesson)</a:t>
-            </a:r>
-            <a:endParaRPr lang="en-US"/>
-          </a:p>
-        </p:txBody>
-      </p:sp>
-    </p:spTree>
-    <p:extLst>
-      <p:ext uri="{BB962C8B-B14F-4D97-AF65-F5344CB8AC3E}">
-        <p14:creationId xmlns:p14="http://schemas.microsoft.com/office/powerpoint/2010/main" val="2313802261"/>
-      </p:ext>
-    </p:extLst>
-  </p:cSld>
-  <p:clrMapOvr>
-    <a:masterClrMapping/>
-  </p:clrMapOvr>
-</p:sld>
-</file>
-
-<file path=ppt/slides/slide4.xml><?xml version="1.0" encoding="utf-8"?>
-<p:sld xmlns:a="http://schemas.openxmlformats.org/drawingml/2006/main" xmlns:r="http://schemas.openxmlformats.org/officeDocument/2006/relationships" xmlns:p="http://schemas.openxmlformats.org/presentationml/2006/main">
-  <p:cSld>
-    <p:spTree>
-      <p:nvGrpSpPr>
-        <p:cNvPr id="1" name=""/>
-        <p:cNvGrpSpPr/>
-        <p:nvPr/>
-      </p:nvGrpSpPr>
-      <p:grpSpPr>
-        <a:xfrm>
-          <a:off x="0" y="0"/>
-          <a:ext cx="0" cy="0"/>
-          <a:chOff x="0" y="0"/>
-          <a:chExt cx="0" cy="0"/>
-        </a:xfrm>
-      </p:grpSpPr>
-      <p:sp>
-        <p:nvSpPr>
-          <p:cNvPr id="2" name="Title 1">
-            <a:extLst>
-              <a:ext uri="{FF2B5EF4-FFF2-40B4-BE49-F238E27FC236}">
                 <a16:creationId xmlns:a16="http://schemas.microsoft.com/office/drawing/2014/main" id="{0D42DEA2-2124-4027-836B-0C4B00C5A366}"/>
               </a:ext>
             </a:extLst>
@@ -8124,7 +7939,7 @@
 </p:sld>
 </file>
 
-<file path=ppt/slides/slide5.xml><?xml version="1.0" encoding="utf-8"?>
+<file path=ppt/slides/slide4.xml><?xml version="1.0" encoding="utf-8"?>
 <p:sld xmlns:a="http://schemas.openxmlformats.org/drawingml/2006/main" xmlns:r="http://schemas.openxmlformats.org/officeDocument/2006/relationships" xmlns:p="http://schemas.openxmlformats.org/presentationml/2006/main">
   <p:cSld>
     <p:spTree>
@@ -8214,7 +8029,7 @@
 </p:sld>
 </file>
 
-<file path=ppt/slides/slide6.xml><?xml version="1.0" encoding="utf-8"?>
+<file path=ppt/slides/slide5.xml><?xml version="1.0" encoding="utf-8"?>
 <p:sld xmlns:a="http://schemas.openxmlformats.org/drawingml/2006/main" xmlns:r="http://schemas.openxmlformats.org/officeDocument/2006/relationships" xmlns:p="http://schemas.openxmlformats.org/presentationml/2006/main">
   <p:cSld>
     <p:spTree>
@@ -8273,7 +8088,7 @@
 </p:sld>
 </file>
 
-<file path=ppt/slides/slide7.xml><?xml version="1.0" encoding="utf-8"?>
+<file path=ppt/slides/slide6.xml><?xml version="1.0" encoding="utf-8"?>
 <p:sld xmlns:a="http://schemas.openxmlformats.org/drawingml/2006/main" xmlns:r="http://schemas.openxmlformats.org/officeDocument/2006/relationships" xmlns:p="http://schemas.openxmlformats.org/presentationml/2006/main">
   <p:cSld>
     <p:spTree>
@@ -8333,6 +8148,135 @@
 </p:sld>
 </file>
 
+<file path=ppt/slides/slide7.xml><?xml version="1.0" encoding="utf-8"?>
+<p:sld xmlns:a="http://schemas.openxmlformats.org/drawingml/2006/main" xmlns:r="http://schemas.openxmlformats.org/officeDocument/2006/relationships" xmlns:p="http://schemas.openxmlformats.org/presentationml/2006/main">
+  <p:cSld>
+    <p:spTree>
+      <p:nvGrpSpPr>
+        <p:cNvPr id="1" name=""/>
+        <p:cNvGrpSpPr/>
+        <p:nvPr/>
+      </p:nvGrpSpPr>
+      <p:grpSpPr>
+        <a:xfrm>
+          <a:off x="0" y="0"/>
+          <a:ext cx="0" cy="0"/>
+          <a:chOff x="0" y="0"/>
+          <a:chExt cx="0" cy="0"/>
+        </a:xfrm>
+      </p:grpSpPr>
+      <p:sp>
+        <p:nvSpPr>
+          <p:cNvPr id="2" name="Title 1">
+            <a:extLst>
+              <a:ext uri="{FF2B5EF4-FFF2-40B4-BE49-F238E27FC236}">
+                <a16:creationId xmlns:a16="http://schemas.microsoft.com/office/drawing/2014/main" id="{8B8D494B-9973-C949-8F1C-2457B891D893}"/>
+              </a:ext>
+            </a:extLst>
+          </p:cNvPr>
+          <p:cNvSpPr>
+            <a:spLocks noGrp="1"/>
+          </p:cNvSpPr>
+          <p:nvPr>
+            <p:ph type="title"/>
+          </p:nvPr>
+        </p:nvSpPr>
+        <p:spPr/>
+        <p:txBody>
+          <a:bodyPr/>
+          <a:lstStyle/>
+          <a:p>
+            <a:r>
+              <a:rPr lang="en-US" dirty="0"/>
+              <a:t>What is tidy data?</a:t>
+            </a:r>
+          </a:p>
+        </p:txBody>
+      </p:sp>
+      <p:sp>
+        <p:nvSpPr>
+          <p:cNvPr id="3" name="Content Placeholder 2">
+            <a:extLst>
+              <a:ext uri="{FF2B5EF4-FFF2-40B4-BE49-F238E27FC236}">
+                <a16:creationId xmlns:a16="http://schemas.microsoft.com/office/drawing/2014/main" id="{544A73DF-FD1B-E449-B339-4FDABE7D1D69}"/>
+              </a:ext>
+            </a:extLst>
+          </p:cNvPr>
+          <p:cNvSpPr>
+            <a:spLocks noGrp="1"/>
+          </p:cNvSpPr>
+          <p:nvPr>
+            <p:ph idx="1"/>
+          </p:nvPr>
+        </p:nvSpPr>
+        <p:spPr>
+          <a:xfrm>
+            <a:off x="838200" y="2242719"/>
+            <a:ext cx="10515600" cy="2810543"/>
+          </a:xfrm>
+        </p:spPr>
+        <p:txBody>
+          <a:bodyPr/>
+          <a:lstStyle/>
+          <a:p>
+            <a:r>
+              <a:rPr lang="en-CA" b="1" dirty="0"/>
+              <a:t>Tidy data</a:t>
+            </a:r>
+            <a:r>
+              <a:rPr lang="en-CA" dirty="0"/>
+              <a:t> is a standard way of mapping the </a:t>
+            </a:r>
+            <a:r>
+              <a:rPr lang="en-CA" b="1" dirty="0"/>
+              <a:t>meaning of</a:t>
+            </a:r>
+            <a:r>
+              <a:rPr lang="en-CA" dirty="0"/>
+              <a:t> a dataset to its structure. A dataset is messy or </a:t>
+            </a:r>
+            <a:r>
+              <a:rPr lang="en-CA" b="1" dirty="0"/>
+              <a:t>tidy</a:t>
+            </a:r>
+            <a:r>
+              <a:rPr lang="en-CA" dirty="0"/>
+              <a:t> depending on how rows, columns and tables are matched up with observations, variables and types. In </a:t>
+            </a:r>
+            <a:r>
+              <a:rPr lang="en-CA" b="1" dirty="0"/>
+              <a:t>tidy data</a:t>
+            </a:r>
+            <a:r>
+              <a:rPr lang="en-CA" dirty="0"/>
+              <a:t>: Each variable forms a column. Each observation forms a row.</a:t>
+            </a:r>
+          </a:p>
+          <a:p>
+            <a:pPr marL="0" indent="0">
+              <a:buNone/>
+            </a:pPr>
+            <a:r>
+              <a:rPr lang="en-CA" dirty="0"/>
+              <a:t>	-CRAN</a:t>
+            </a:r>
+            <a:endParaRPr lang="en-US" dirty="0"/>
+          </a:p>
+        </p:txBody>
+      </p:sp>
+    </p:spTree>
+    <p:extLst>
+      <p:ext uri="{BB962C8B-B14F-4D97-AF65-F5344CB8AC3E}">
+        <p14:creationId xmlns:p14="http://schemas.microsoft.com/office/powerpoint/2010/main" val="4133013907"/>
+      </p:ext>
+    </p:extLst>
+  </p:cSld>
+  <p:clrMapOvr>
+    <a:masterClrMapping/>
+  </p:clrMapOvr>
+</p:sld>
+</file>
+
 <file path=ppt/slides/slide8.xml><?xml version="1.0" encoding="utf-8"?>
 <p:sld xmlns:a="http://schemas.openxmlformats.org/drawingml/2006/main" xmlns:r="http://schemas.openxmlformats.org/officeDocument/2006/relationships" xmlns:p="http://schemas.openxmlformats.org/presentationml/2006/main">
   <p:cSld>
@@ -8355,7 +8299,7 @@
           <p:cNvPr id="2" name="Title 1">
             <a:extLst>
               <a:ext uri="{FF2B5EF4-FFF2-40B4-BE49-F238E27FC236}">
-                <a16:creationId xmlns:a16="http://schemas.microsoft.com/office/drawing/2014/main" id="{8B8D494B-9973-C949-8F1C-2457B891D893}"/>
+                <a16:creationId xmlns:a16="http://schemas.microsoft.com/office/drawing/2014/main" id="{B8C6EA56-23FF-2C49-AD61-BF49A253A649}"/>
               </a:ext>
             </a:extLst>
           </p:cNvPr>
@@ -8373,7 +8317,7 @@
           <a:p>
             <a:r>
               <a:rPr lang="en-US" dirty="0"/>
-              <a:t>What is tidy data?</a:t>
+              <a:t>What does this mean to you</a:t>
             </a:r>
           </a:p>
         </p:txBody>
@@ -8383,7 +8327,7 @@
           <p:cNvPr id="3" name="Content Placeholder 2">
             <a:extLst>
               <a:ext uri="{FF2B5EF4-FFF2-40B4-BE49-F238E27FC236}">
-                <a16:creationId xmlns:a16="http://schemas.microsoft.com/office/drawing/2014/main" id="{544A73DF-FD1B-E449-B339-4FDABE7D1D69}"/>
+                <a16:creationId xmlns:a16="http://schemas.microsoft.com/office/drawing/2014/main" id="{5A849D53-FB15-5F44-B04A-89A0150DC673}"/>
               </a:ext>
             </a:extLst>
           </p:cNvPr>
@@ -8394,65 +8338,46 @@
             <p:ph idx="1"/>
           </p:nvPr>
         </p:nvSpPr>
-        <p:spPr>
-          <a:xfrm>
-            <a:off x="838200" y="2242719"/>
-            <a:ext cx="10515600" cy="2810543"/>
-          </a:xfrm>
-        </p:spPr>
+        <p:spPr/>
         <p:txBody>
           <a:bodyPr/>
           <a:lstStyle/>
           <a:p>
             <a:r>
-              <a:rPr lang="en-CA" b="1" dirty="0"/>
-              <a:t>Tidy data</a:t>
-            </a:r>
-            <a:r>
-              <a:rPr lang="en-CA" dirty="0"/>
-              <a:t> is a standard way of mapping the </a:t>
-            </a:r>
-            <a:r>
-              <a:rPr lang="en-CA" b="1" dirty="0"/>
-              <a:t>meaning of</a:t>
-            </a:r>
-            <a:r>
-              <a:rPr lang="en-CA" dirty="0"/>
-              <a:t> a dataset to its structure. A dataset is messy or </a:t>
-            </a:r>
-            <a:r>
-              <a:rPr lang="en-CA" b="1" dirty="0"/>
-              <a:t>tidy</a:t>
-            </a:r>
-            <a:r>
-              <a:rPr lang="en-CA" dirty="0"/>
-              <a:t> depending on how rows, columns and tables are matched up with observations, variables and types. In </a:t>
-            </a:r>
-            <a:r>
-              <a:rPr lang="en-CA" b="1" dirty="0"/>
-              <a:t>tidy data</a:t>
-            </a:r>
-            <a:r>
-              <a:rPr lang="en-CA" dirty="0"/>
-              <a:t>: Each variable forms a column. Each observation forms a row.</a:t>
-            </a:r>
-          </a:p>
-          <a:p>
-            <a:pPr marL="0" indent="0">
-              <a:buNone/>
-            </a:pPr>
-            <a:r>
-              <a:rPr lang="en-CA" dirty="0"/>
-              <a:t>	-CRAN</a:t>
-            </a:r>
-            <a:endParaRPr lang="en-US" dirty="0"/>
+              <a:rPr lang="en-US" dirty="0"/>
+              <a:t>Many of us that collect and use data in the lab do not use it with programs like R. What we do may make perfect sense to us, and make things easier at the bench</a:t>
+            </a:r>
+          </a:p>
+          <a:p>
+            <a:r>
+              <a:rPr lang="en-US" dirty="0"/>
+              <a:t>However, there are clever ways to form good habits, that DON’T make your life (much) harder, but will also make it easier for you to:</a:t>
+            </a:r>
+          </a:p>
+          <a:p>
+            <a:pPr lvl="1"/>
+            <a:r>
+              <a:rPr lang="en-US" dirty="0"/>
+              <a:t>Analyze your data in R or Python </a:t>
+            </a:r>
+            <a:r>
+              <a:rPr lang="en-US" i="1" dirty="0"/>
+              <a:t>one day</a:t>
+            </a:r>
+          </a:p>
+          <a:p>
+            <a:pPr lvl="1"/>
+            <a:r>
+              <a:rPr lang="en-US" dirty="0"/>
+              <a:t>Share your data with others that may help you analyze your data using computer languages</a:t>
+            </a:r>
           </a:p>
         </p:txBody>
       </p:sp>
     </p:spTree>
     <p:extLst>
       <p:ext uri="{BB962C8B-B14F-4D97-AF65-F5344CB8AC3E}">
-        <p14:creationId xmlns:p14="http://schemas.microsoft.com/office/powerpoint/2010/main" val="4133013907"/>
+        <p14:creationId xmlns:p14="http://schemas.microsoft.com/office/powerpoint/2010/main" val="2673543143"/>
       </p:ext>
     </p:extLst>
   </p:cSld>
@@ -8484,7 +8409,7 @@
           <p:cNvPr id="2" name="Title 1">
             <a:extLst>
               <a:ext uri="{FF2B5EF4-FFF2-40B4-BE49-F238E27FC236}">
-                <a16:creationId xmlns:a16="http://schemas.microsoft.com/office/drawing/2014/main" id="{B8C6EA56-23FF-2C49-AD61-BF49A253A649}"/>
+                <a16:creationId xmlns:a16="http://schemas.microsoft.com/office/drawing/2014/main" id="{1B457927-B726-2944-A6C1-6F0B56C3210F}"/>
               </a:ext>
             </a:extLst>
           </p:cNvPr>
@@ -8502,7 +8427,7 @@
           <a:p>
             <a:r>
               <a:rPr lang="en-US" dirty="0"/>
-              <a:t>What does this mean to you</a:t>
+              <a:t>Collecting and saving your data</a:t>
             </a:r>
           </a:p>
         </p:txBody>
@@ -8512,7 +8437,7 @@
           <p:cNvPr id="3" name="Content Placeholder 2">
             <a:extLst>
               <a:ext uri="{FF2B5EF4-FFF2-40B4-BE49-F238E27FC236}">
-                <a16:creationId xmlns:a16="http://schemas.microsoft.com/office/drawing/2014/main" id="{5A849D53-FB15-5F44-B04A-89A0150DC673}"/>
+                <a16:creationId xmlns:a16="http://schemas.microsoft.com/office/drawing/2014/main" id="{ACEF7C08-2EE9-1445-A2BB-0E8307865D0C}"/>
               </a:ext>
             </a:extLst>
           </p:cNvPr>
@@ -8523,46 +8448,60 @@
             <p:ph idx="1"/>
           </p:nvPr>
         </p:nvSpPr>
-        <p:spPr/>
+        <p:spPr>
+          <a:xfrm>
+            <a:off x="838200" y="1825625"/>
+            <a:ext cx="10515600" cy="580691"/>
+          </a:xfrm>
+        </p:spPr>
         <p:txBody>
           <a:bodyPr/>
           <a:lstStyle/>
           <a:p>
             <a:r>
               <a:rPr lang="en-US" dirty="0"/>
-              <a:t>Many of us that collect and use data in the lab do not use it with programs like R. What we do may make perfect sense to us, and make things easier at the bench</a:t>
-            </a:r>
-          </a:p>
-          <a:p>
-            <a:r>
-              <a:rPr lang="en-US" dirty="0"/>
-              <a:t>However, there are clever ways to form good habits, that DON’T make your life (much) harder, but will also make it easier for you to:</a:t>
-            </a:r>
-          </a:p>
-          <a:p>
-            <a:pPr lvl="1"/>
-            <a:r>
-              <a:rPr lang="en-US" dirty="0"/>
-              <a:t>Analyze your data in R or Python </a:t>
-            </a:r>
-            <a:r>
-              <a:rPr lang="en-US" i="1" dirty="0"/>
-              <a:t>one day</a:t>
-            </a:r>
-          </a:p>
-          <a:p>
-            <a:pPr lvl="1"/>
-            <a:r>
-              <a:rPr lang="en-US" dirty="0"/>
-              <a:t>Share your data with others that may help you analyze your data using computer languages</a:t>
-            </a:r>
-          </a:p>
-        </p:txBody>
-      </p:sp>
+              <a:t>Most of us use excel to collect our data.  What might this look like?</a:t>
+            </a:r>
+          </a:p>
+        </p:txBody>
+      </p:sp>
+      <p:pic>
+        <p:nvPicPr>
+          <p:cNvPr id="4" name="Picture 3">
+            <a:extLst>
+              <a:ext uri="{FF2B5EF4-FFF2-40B4-BE49-F238E27FC236}">
+                <a16:creationId xmlns:a16="http://schemas.microsoft.com/office/drawing/2014/main" id="{BF79D759-6C5C-DB40-8EAC-F908C9F2F2D4}"/>
+              </a:ext>
+            </a:extLst>
+          </p:cNvPr>
+          <p:cNvPicPr>
+            <a:picLocks noChangeAspect="1"/>
+          </p:cNvPicPr>
+          <p:nvPr/>
+        </p:nvPicPr>
+        <p:blipFill>
+          <a:blip r:embed="rId2"/>
+          <a:stretch>
+            <a:fillRect/>
+          </a:stretch>
+        </p:blipFill>
+        <p:spPr>
+          <a:xfrm>
+            <a:off x="1996687" y="2541253"/>
+            <a:ext cx="8198625" cy="3581615"/>
+          </a:xfrm>
+          <a:prstGeom prst="rect">
+            <a:avLst/>
+          </a:prstGeom>
+          <a:solidFill>
+            <a:schemeClr val="bg1"/>
+          </a:solidFill>
+        </p:spPr>
+      </p:pic>
     </p:spTree>
     <p:extLst>
       <p:ext uri="{BB962C8B-B14F-4D97-AF65-F5344CB8AC3E}">
-        <p14:creationId xmlns:p14="http://schemas.microsoft.com/office/powerpoint/2010/main" val="2673543143"/>
+        <p14:creationId xmlns:p14="http://schemas.microsoft.com/office/powerpoint/2010/main" val="500972399"/>
       </p:ext>
     </p:extLst>
   </p:cSld>
@@ -9163,6 +9102,12 @@
 </file>
 
 <file path=customXml/item1.xml><?xml version="1.0" encoding="utf-8"?>
+<p:properties xmlns:p="http://schemas.microsoft.com/office/2006/metadata/properties" xmlns:xsi="http://www.w3.org/2001/XMLSchema-instance" xmlns:pc="http://schemas.microsoft.com/office/infopath/2007/PartnerControls">
+  <documentManagement/>
+</p:properties>
+</file>
+
+<file path=customXml/item2.xml><?xml version="1.0" encoding="utf-8"?>
 <ct:contentTypeSchema xmlns:ct="http://schemas.microsoft.com/office/2006/metadata/contentType" xmlns:ma="http://schemas.microsoft.com/office/2006/metadata/properties/metaAttributes" ct:_="" ma:_="" ma:contentTypeName="Document" ma:contentTypeID="0x010100502ED580C0F2CC428D2B57DE0C455BC4" ma:contentTypeVersion="5" ma:contentTypeDescription="Create a new document." ma:contentTypeScope="" ma:versionID="59c84771ad63734aae1f958032dffe6c">
   <xsd:schema xmlns:xsd="http://www.w3.org/2001/XMLSchema" xmlns:xs="http://www.w3.org/2001/XMLSchema" xmlns:p="http://schemas.microsoft.com/office/2006/metadata/properties" xmlns:ns2="0ccad5ac-2916-4ba3-8f73-0110bf8096eb" xmlns:ns3="47708293-9140-4b35-addc-7f00dbd9da6c" targetNamespace="http://schemas.microsoft.com/office/2006/metadata/properties" ma:root="true" ma:fieldsID="fcbd362cf10372e1ef663ca7eaf4e7d1" ns2:_="" ns3:_="">
     <xsd:import namespace="0ccad5ac-2916-4ba3-8f73-0110bf8096eb"/>
@@ -9333,12 +9278,6 @@
 </ct:contentTypeSchema>
 </file>
 
-<file path=customXml/item2.xml><?xml version="1.0" encoding="utf-8"?>
-<p:properties xmlns:p="http://schemas.microsoft.com/office/2006/metadata/properties" xmlns:xsi="http://www.w3.org/2001/XMLSchema-instance" xmlns:pc="http://schemas.microsoft.com/office/infopath/2007/PartnerControls">
-  <documentManagement/>
-</p:properties>
-</file>
-
 <file path=customXml/item3.xml><?xml version="1.0" encoding="utf-8"?>
 <?mso-contentType ?>
 <FormTemplates xmlns="http://schemas.microsoft.com/sharepoint/v3/contenttype/forms">
@@ -9349,10 +9288,6 @@
 </file>
 
 <file path=customXml/itemProps1.xml><?xml version="1.0" encoding="utf-8"?>
-<ds:datastoreItem xmlns:ds="http://schemas.openxmlformats.org/officeDocument/2006/customXml" ds:itemID="{F9553A2F-AB5F-40DB-AAE4-676C1C1DAAB6}"/>
-</file>
-
-<file path=customXml/itemProps2.xml><?xml version="1.0" encoding="utf-8"?>
 <ds:datastoreItem xmlns:ds="http://schemas.openxmlformats.org/officeDocument/2006/customXml" ds:itemID="{3800726C-A46D-4951-A0C6-B4BA5D789F89}">
   <ds:schemaRefs>
     <ds:schemaRef ds:uri="http://schemas.microsoft.com/office/2006/documentManagement/types"/>
@@ -9368,6 +9303,25 @@
 </ds:datastoreItem>
 </file>
 
+<file path=customXml/itemProps2.xml><?xml version="1.0" encoding="utf-8"?>
+<ds:datastoreItem xmlns:ds="http://schemas.openxmlformats.org/officeDocument/2006/customXml" ds:itemID="{F9553A2F-AB5F-40DB-AAE4-676C1C1DAAB6}">
+  <ds:schemaRefs>
+    <ds:schemaRef ds:uri="http://schemas.microsoft.com/office/2006/metadata/contentType"/>
+    <ds:schemaRef ds:uri="http://schemas.microsoft.com/office/2006/metadata/properties/metaAttributes"/>
+    <ds:schemaRef ds:uri="http://www.w3.org/2001/XMLSchema"/>
+    <ds:schemaRef ds:uri="http://schemas.microsoft.com/office/2006/metadata/properties"/>
+    <ds:schemaRef ds:uri="0ccad5ac-2916-4ba3-8f73-0110bf8096eb"/>
+    <ds:schemaRef ds:uri="47708293-9140-4b35-addc-7f00dbd9da6c"/>
+    <ds:schemaRef ds:uri="http://schemas.microsoft.com/office/2006/documentManagement/types"/>
+    <ds:schemaRef ds:uri="http://schemas.microsoft.com/office/infopath/2007/PartnerControls"/>
+    <ds:schemaRef ds:uri="http://schemas.openxmlformats.org/package/2006/metadata/core-properties"/>
+    <ds:schemaRef ds:uri="http://purl.org/dc/elements/1.1/"/>
+    <ds:schemaRef ds:uri="http://purl.org/dc/terms/"/>
+    <ds:schemaRef ds:uri="http://schemas.microsoft.com/internal/obd"/>
+  </ds:schemaRefs>
+</ds:datastoreItem>
+</file>
+
 <file path=customXml/itemProps3.xml><?xml version="1.0" encoding="utf-8"?>
 <ds:datastoreItem xmlns:ds="http://schemas.openxmlformats.org/officeDocument/2006/customXml" ds:itemID="{01E68235-BC4E-445E-AC5E-8DE2B42922C7}">
   <ds:schemaRefs>
